--- a/Защита проекта.pptx
+++ b/Защита проекта.pptx
@@ -1326,7 +1326,7 @@
           <a:p>
             <a:fld id="{94B83FD7-ED0D-4E30-9E2B-54648EB14F38}" type="datetimeFigureOut">
               <a:rPr lang="ru-RU" smtClean="0"/>
-              <a:t>вт 21.01.25</a:t>
+              <a:t>сб 08.02.25</a:t>
             </a:fld>
             <a:endParaRPr lang="ru-RU"/>
           </a:p>
@@ -1564,7 +1564,7 @@
           <a:p>
             <a:fld id="{94B83FD7-ED0D-4E30-9E2B-54648EB14F38}" type="datetimeFigureOut">
               <a:rPr lang="ru-RU" smtClean="0"/>
-              <a:t>вт 21.01.25</a:t>
+              <a:t>сб 08.02.25</a:t>
             </a:fld>
             <a:endParaRPr lang="ru-RU"/>
           </a:p>
@@ -1744,7 +1744,7 @@
           <a:p>
             <a:fld id="{94B83FD7-ED0D-4E30-9E2B-54648EB14F38}" type="datetimeFigureOut">
               <a:rPr lang="ru-RU" smtClean="0"/>
-              <a:t>вт 21.01.25</a:t>
+              <a:t>сб 08.02.25</a:t>
             </a:fld>
             <a:endParaRPr lang="ru-RU"/>
           </a:p>
@@ -1914,7 +1914,7 @@
           <a:p>
             <a:fld id="{94B83FD7-ED0D-4E30-9E2B-54648EB14F38}" type="datetimeFigureOut">
               <a:rPr lang="ru-RU" smtClean="0"/>
-              <a:t>вт 21.01.25</a:t>
+              <a:t>сб 08.02.25</a:t>
             </a:fld>
             <a:endParaRPr lang="ru-RU"/>
           </a:p>
@@ -2190,7 +2190,7 @@
           <a:p>
             <a:fld id="{94B83FD7-ED0D-4E30-9E2B-54648EB14F38}" type="datetimeFigureOut">
               <a:rPr lang="ru-RU" smtClean="0"/>
-              <a:t>вт 21.01.25</a:t>
+              <a:t>сб 08.02.25</a:t>
             </a:fld>
             <a:endParaRPr lang="ru-RU"/>
           </a:p>
@@ -3391,7 +3391,7 @@
           <a:p>
             <a:fld id="{94B83FD7-ED0D-4E30-9E2B-54648EB14F38}" type="datetimeFigureOut">
               <a:rPr lang="ru-RU" smtClean="0"/>
-              <a:t>вт 21.01.25</a:t>
+              <a:t>сб 08.02.25</a:t>
             </a:fld>
             <a:endParaRPr lang="ru-RU"/>
           </a:p>
@@ -3781,7 +3781,7 @@
           <a:p>
             <a:fld id="{94B83FD7-ED0D-4E30-9E2B-54648EB14F38}" type="datetimeFigureOut">
               <a:rPr lang="ru-RU" smtClean="0"/>
-              <a:t>вт 21.01.25</a:t>
+              <a:t>сб 08.02.25</a:t>
             </a:fld>
             <a:endParaRPr lang="ru-RU"/>
           </a:p>
@@ -3904,7 +3904,7 @@
           <a:p>
             <a:fld id="{94B83FD7-ED0D-4E30-9E2B-54648EB14F38}" type="datetimeFigureOut">
               <a:rPr lang="ru-RU" smtClean="0"/>
-              <a:t>вт 21.01.25</a:t>
+              <a:t>сб 08.02.25</a:t>
             </a:fld>
             <a:endParaRPr lang="ru-RU"/>
           </a:p>
@@ -3999,7 +3999,7 @@
           <a:p>
             <a:fld id="{94B83FD7-ED0D-4E30-9E2B-54648EB14F38}" type="datetimeFigureOut">
               <a:rPr lang="ru-RU" smtClean="0"/>
-              <a:t>вт 21.01.25</a:t>
+              <a:t>сб 08.02.25</a:t>
             </a:fld>
             <a:endParaRPr lang="ru-RU"/>
           </a:p>
@@ -4762,7 +4762,7 @@
           <a:p>
             <a:fld id="{94B83FD7-ED0D-4E30-9E2B-54648EB14F38}" type="datetimeFigureOut">
               <a:rPr lang="ru-RU" smtClean="0"/>
-              <a:t>вт 21.01.25</a:t>
+              <a:t>сб 08.02.25</a:t>
             </a:fld>
             <a:endParaRPr lang="ru-RU"/>
           </a:p>
@@ -5602,7 +5602,7 @@
           <a:p>
             <a:fld id="{94B83FD7-ED0D-4E30-9E2B-54648EB14F38}" type="datetimeFigureOut">
               <a:rPr lang="ru-RU" smtClean="0"/>
-              <a:t>вт 21.01.25</a:t>
+              <a:t>сб 08.02.25</a:t>
             </a:fld>
             <a:endParaRPr lang="ru-RU"/>
           </a:p>
@@ -5829,7 +5829,7 @@
           <a:p>
             <a:fld id="{94B83FD7-ED0D-4E30-9E2B-54648EB14F38}" type="datetimeFigureOut">
               <a:rPr lang="ru-RU" smtClean="0"/>
-              <a:t>вт 21.01.25</a:t>
+              <a:t>сб 08.02.25</a:t>
             </a:fld>
             <a:endParaRPr lang="ru-RU"/>
           </a:p>
@@ -7756,7 +7756,7 @@
         <p:spPr>
           <a:xfrm>
             <a:off x="1914617" y="3489985"/>
-            <a:ext cx="8362765" cy="1169679"/>
+            <a:ext cx="8362765" cy="2937535"/>
           </a:xfrm>
           <a:prstGeom prst="rect">
             <a:avLst/>
@@ -7782,7 +7782,22 @@
                 <a:ea typeface="Calibri" panose="020F0502020204030204" pitchFamily="34" charset="0"/>
                 <a:cs typeface="Times New Roman" panose="02020603050405020304" pitchFamily="18" charset="0"/>
               </a:rPr>
-              <a:t>Заключение</a:t>
+              <a:t>Заключение:</a:t>
+            </a:r>
+          </a:p>
+          <a:p>
+            <a:pPr algn="ctr"/>
+            <a:r>
+              <a:rPr lang="ru-RU" dirty="0"/>
+              <a:t>В ходе разработки моего проекта я стремился создать увлекательный и динамичный игровой процесс, который привлекает пользователей своей простотой. Создание аркадной игры позволило мне применить и углубить знания о программировании, в частности, в области использования библиотеки Pygame для разработки 2D-игр. Я освоили методы </a:t>
+            </a:r>
+            <a:r>
+              <a:rPr lang="ru-RU" sz="2000" dirty="0"/>
+              <a:t>работы</a:t>
+            </a:r>
+            <a:r>
+              <a:rPr lang="ru-RU" dirty="0"/>
+              <a:t> с графикой, звуком, обработкой событий и логикой игры, что значительно расширило мои навыки разработки интерактивного программного обеспечения.</a:t>
             </a:r>
           </a:p>
           <a:p>
@@ -7794,44 +7809,7 @@
                 <a:spcPts val="800"/>
               </a:spcAft>
             </a:pPr>
-            <a:r>
-              <a:rPr lang="ru-RU" dirty="0">
-                <a:latin typeface="Calibri" panose="020F0502020204030204" pitchFamily="34" charset="0"/>
-                <a:ea typeface="Calibri" panose="020F0502020204030204" pitchFamily="34" charset="0"/>
-                <a:cs typeface="Times New Roman" panose="02020603050405020304" pitchFamily="18" charset="0"/>
-              </a:rPr>
-              <a:t>В конечном счете игра </a:t>
-            </a:r>
-            <a:r>
-              <a:rPr lang="en-US" dirty="0">
-                <a:latin typeface="Calibri" panose="020F0502020204030204" pitchFamily="34" charset="0"/>
-                <a:ea typeface="Calibri" panose="020F0502020204030204" pitchFamily="34" charset="0"/>
-                <a:cs typeface="Times New Roman" panose="02020603050405020304" pitchFamily="18" charset="0"/>
-              </a:rPr>
-              <a:t>“</a:t>
-            </a:r>
-            <a:r>
-              <a:rPr lang="ru-RU" dirty="0">
-                <a:latin typeface="Calibri" panose="020F0502020204030204" pitchFamily="34" charset="0"/>
-                <a:cs typeface="Calibri" panose="020F0502020204030204" pitchFamily="34" charset="0"/>
-              </a:rPr>
-              <a:t>Мир столкновений</a:t>
-            </a:r>
-            <a:r>
-              <a:rPr lang="en-US" dirty="0">
-                <a:latin typeface="Calibri" panose="020F0502020204030204" pitchFamily="34" charset="0"/>
-                <a:cs typeface="Calibri" panose="020F0502020204030204" pitchFamily="34" charset="0"/>
-              </a:rPr>
-              <a:t>” </a:t>
-            </a:r>
-            <a:r>
-              <a:rPr lang="ru-RU" dirty="0">
-                <a:latin typeface="Calibri" panose="020F0502020204030204" pitchFamily="34" charset="0"/>
-                <a:cs typeface="Calibri" panose="020F0502020204030204" pitchFamily="34" charset="0"/>
-              </a:rPr>
-              <a:t>является просто развлекательным проектом для большого круга пользователей.</a:t>
-            </a:r>
-            <a:endParaRPr lang="ru-RU" dirty="0">
+            <a:endParaRPr lang="ru-RU" sz="2400" b="1" dirty="0">
               <a:latin typeface="Calibri" panose="020F0502020204030204" pitchFamily="34" charset="0"/>
               <a:ea typeface="Calibri" panose="020F0502020204030204" pitchFamily="34" charset="0"/>
               <a:cs typeface="Times New Roman" panose="02020603050405020304" pitchFamily="18" charset="0"/>
